--- a/agile moves/Perception (PER)/ger_PER_06_Staerkenspiegel_Retro.pptx
+++ b/agile moves/Perception (PER)/ger_PER_06_Staerkenspiegel_Retro.pptx
@@ -137,7 +137,7 @@
         </p:nvSpPr>
         <p:spPr>
           <a:xfrm>
-            <a:off x="1166813" y="545546"/>
+            <a:off x="1166813" y="674138"/>
             <a:ext cx="4612406" cy="461665"/>
           </a:xfrm>
         </p:spPr>
@@ -169,7 +169,7 @@
         </p:nvSpPr>
         <p:spPr>
           <a:xfrm>
-            <a:off x="1166813" y="845255"/>
+            <a:off x="1166813" y="973847"/>
             <a:ext cx="5293995" cy="462329"/>
           </a:xfrm>
         </p:spPr>
@@ -355,7 +355,7 @@
 
 <file path=ppt/slideLayouts/slideLayout2.xml><?xml version="1.0" encoding="utf-8"?>
 <p:sldLayout xmlns:a="http://schemas.openxmlformats.org/drawingml/2006/main" xmlns:r="http://schemas.openxmlformats.org/officeDocument/2006/relationships" xmlns:p="http://schemas.openxmlformats.org/presentationml/2006/main" preserve="1" userDrawn="1">
-  <p:cSld name="Titel und Inhalt">
+  <p:cSld name="Trainingsaufgaben">
     <p:spTree>
       <p:nvGrpSpPr>
         <p:cNvPr id="1" name=""/>
@@ -482,7 +482,7 @@
         </p:nvSpPr>
         <p:spPr>
           <a:xfrm>
-            <a:off x="1174413" y="747972"/>
+            <a:off x="1174413" y="860490"/>
             <a:ext cx="3673457" cy="461665"/>
           </a:xfrm>
           <a:prstGeom prst="rect">
@@ -541,7 +541,7 @@
 
 <file path=ppt/slideLayouts/slideLayout3.xml><?xml version="1.0" encoding="utf-8"?>
 <p:sldLayout xmlns:a="http://schemas.openxmlformats.org/drawingml/2006/main" xmlns:r="http://schemas.openxmlformats.org/officeDocument/2006/relationships" xmlns:p="http://schemas.openxmlformats.org/presentationml/2006/main" preserve="1" userDrawn="1">
-  <p:cSld name="1_Titelfolie">
+  <p:cSld name="Überschrift einzeilig">
     <p:spTree>
       <p:nvGrpSpPr>
         <p:cNvPr id="1" name=""/>
@@ -568,7 +568,7 @@
         </p:nvSpPr>
         <p:spPr>
           <a:xfrm>
-            <a:off x="1166813" y="724550"/>
+            <a:off x="1166813" y="877253"/>
             <a:ext cx="4612406" cy="461665"/>
           </a:xfrm>
         </p:spPr>
@@ -690,7 +690,12 @@
             <p:ph type="title"/>
           </p:nvPr>
         </p:nvSpPr>
-        <p:spPr/>
+        <p:spPr>
+          <a:xfrm>
+            <a:off x="1173163" y="607122"/>
+            <a:ext cx="4358863" cy="830997"/>
+          </a:xfrm>
+        </p:spPr>
         <p:txBody>
           <a:bodyPr vert="horz"/>
           <a:lstStyle/>
@@ -699,7 +704,7 @@
               <a:rPr lang="de-DE" smtClean="0"/>
               <a:t>Mastertitelformat bearbeiten</a:t>
             </a:r>
-            <a:endParaRPr lang="de-DE"/>
+            <a:endParaRPr lang="de-DE" dirty="0"/>
           </a:p>
         </p:txBody>
       </p:sp>
@@ -720,7 +725,7 @@
           <a:p>
             <a:fld id="{FF5B2BAF-DF38-0A48-A798-0C06E514FD52}" type="datetimeFigureOut">
               <a:rPr lang="de-DE" smtClean="0"/>
-              <a:t>28.05.15</a:t>
+              <a:t>29.05.15</a:t>
             </a:fld>
             <a:endParaRPr lang="de-DE" dirty="0"/>
           </a:p>
@@ -815,7 +820,7 @@
         </p:nvSpPr>
         <p:spPr>
           <a:xfrm>
-            <a:off x="1173163" y="550863"/>
+            <a:off x="1173163" y="607122"/>
             <a:ext cx="4358863" cy="830997"/>
           </a:xfrm>
           <a:prstGeom prst="rect">
@@ -943,7 +948,7 @@
           <a:p>
             <a:fld id="{FF5B2BAF-DF38-0A48-A798-0C06E514FD52}" type="datetimeFigureOut">
               <a:rPr lang="de-DE" smtClean="0"/>
-              <a:t>28.05.15</a:t>
+              <a:t>29.05.15</a:t>
             </a:fld>
             <a:endParaRPr lang="de-DE" dirty="0"/>
           </a:p>
@@ -1132,8 +1137,8 @@
         </p:nvSpPr>
         <p:spPr>
           <a:xfrm>
-            <a:off x="5156973" y="82390"/>
-            <a:ext cx="1990234" cy="253916"/>
+            <a:off x="5250723" y="82390"/>
+            <a:ext cx="1905008" cy="253916"/>
           </a:xfrm>
           <a:prstGeom prst="rect">
             <a:avLst/>
@@ -1176,7 +1181,7 @@
               </a:rPr>
               <a:t>PER-06</a:t>
             </a:r>
-            <a:endParaRPr lang="de-DE" sz="1050" b="1" dirty="0" smtClean="0">
+            <a:endParaRPr lang="de-DE" sz="1050" b="1" dirty="0">
               <a:solidFill>
                 <a:schemeClr val="bg1"/>
               </a:solidFill>
@@ -1215,6 +1220,53 @@
           </a:prstGeom>
         </p:spPr>
       </p:pic>
+      <p:sp>
+        <p:nvSpPr>
+          <p:cNvPr id="12" name="Rechteck 11"/>
+          <p:cNvSpPr/>
+          <p:nvPr/>
+        </p:nvSpPr>
+        <p:spPr>
+          <a:xfrm>
+            <a:off x="0" y="0"/>
+            <a:ext cx="7562850" cy="5330825"/>
+          </a:xfrm>
+          <a:prstGeom prst="rect">
+            <a:avLst/>
+          </a:prstGeom>
+          <a:noFill/>
+          <a:ln>
+            <a:solidFill>
+              <a:schemeClr val="bg1">
+                <a:lumMod val="75000"/>
+              </a:schemeClr>
+            </a:solidFill>
+          </a:ln>
+          <a:effectLst/>
+        </p:spPr>
+        <p:style>
+          <a:lnRef idx="1">
+            <a:schemeClr val="accent1"/>
+          </a:lnRef>
+          <a:fillRef idx="3">
+            <a:schemeClr val="accent1"/>
+          </a:fillRef>
+          <a:effectRef idx="2">
+            <a:schemeClr val="accent1"/>
+          </a:effectRef>
+          <a:fontRef idx="minor">
+            <a:schemeClr val="lt1"/>
+          </a:fontRef>
+        </p:style>
+        <p:txBody>
+          <a:bodyPr rtlCol="0" anchor="ctr"/>
+          <a:lstStyle/>
+          <a:p>
+            <a:pPr algn="ctr"/>
+            <a:endParaRPr lang="de-DE"/>
+          </a:p>
+        </p:txBody>
+      </p:sp>
     </p:spTree>
     <p:extLst>
       <p:ext uri="{BB962C8B-B14F-4D97-AF65-F5344CB8AC3E}">
@@ -1531,7 +1583,7 @@
       </p:grpSpPr>
       <p:sp>
         <p:nvSpPr>
-          <p:cNvPr id="2" name="Titel 1"/>
+          <p:cNvPr id="4" name="Titel 3"/>
           <p:cNvSpPr>
             <a:spLocks noGrp="1"/>
           </p:cNvSpPr>
@@ -1539,22 +1591,17 @@
             <p:ph type="ctrTitle"/>
           </p:nvPr>
         </p:nvSpPr>
-        <p:spPr>
-          <a:xfrm>
-            <a:off x="1166813" y="766418"/>
-            <a:ext cx="4612406" cy="461665"/>
-          </a:xfrm>
-        </p:spPr>
+        <p:spPr/>
         <p:txBody>
           <a:bodyPr/>
           <a:lstStyle/>
           <a:p>
             <a:r>
-              <a:rPr lang="de-DE" dirty="0" smtClean="0"/>
+              <a:rPr lang="de-DE" dirty="0"/>
               <a:t>STÄRKEN</a:t>
             </a:r>
             <a:r>
-              <a:rPr lang="de-DE" dirty="0" smtClean="0">
+              <a:rPr lang="de-DE" dirty="0">
                 <a:latin typeface="Avenir Light"/>
                 <a:cs typeface="Avenir Light"/>
               </a:rPr>
@@ -1577,12 +1624,12 @@
         <p:spPr>
           <a:xfrm>
             <a:off x="858838" y="1568452"/>
-            <a:ext cx="6011545" cy="3557607"/>
+            <a:ext cx="6297499" cy="3133835"/>
           </a:xfrm>
         </p:spPr>
         <p:txBody>
           <a:bodyPr>
-            <a:noAutofit/>
+            <a:normAutofit/>
           </a:bodyPr>
           <a:lstStyle/>
           <a:p>
@@ -1596,13 +1643,8 @@
             </a:pPr>
             <a:r>
               <a:rPr lang="de-DE" dirty="0"/>
-              <a:t>Wie wir uns und andere wahrnehmen und diese Wahrnehmungen bewerten, bildet die Grundlage für unser </a:t>
-            </a:r>
-            <a:r>
-              <a:rPr lang="de-DE" dirty="0" smtClean="0"/>
-              <a:t>Handeln im Team und außerhalb.</a:t>
-            </a:r>
-            <a:endParaRPr lang="de-DE" dirty="0"/>
+              <a:t>Wie wir uns und andere wahrnehmen und diese Wahrnehmungen bewerten, bildet die Grundlage für unser Handeln im Team und außerhalb.</a:t>
+            </a:r>
           </a:p>
           <a:p>
             <a:pPr>
@@ -1671,24 +1713,12 @@
             </a:pPr>
             <a:r>
               <a:rPr lang="de-DE" dirty="0"/>
-              <a:t>Es geht dabei um ein realistisches Bild unserer Stärken und darum, unsere eigene Perspektive auf uns durch Perspektiven von </a:t>
+              <a:t>Es geht dabei um ein realistisches Bild unserer Stärken und darum, unsere eigene Perspektive auf uns durch Perspektiven von außen zu ergänzen und zu bereichern</a:t>
             </a:r>
             <a:r>
               <a:rPr lang="de-DE" dirty="0" smtClean="0"/>
-              <a:t>außen </a:t>
-            </a:r>
-            <a:r>
-              <a:rPr lang="de-DE" dirty="0"/>
-              <a:t>zu ergänzen und zu bereichern.</a:t>
-            </a:r>
-          </a:p>
-          <a:p>
-            <a:pPr marL="0" indent="0">
-              <a:lnSpc>
-                <a:spcPct val="150000"/>
-              </a:lnSpc>
-              <a:buNone/>
-            </a:pPr>
+              <a:t>.</a:t>
+            </a:r>
             <a:endParaRPr lang="de-DE" dirty="0"/>
           </a:p>
         </p:txBody>
@@ -1735,8 +1765,8 @@
         </p:nvSpPr>
         <p:spPr>
           <a:xfrm>
-            <a:off x="858838" y="1445314"/>
-            <a:ext cx="6430212" cy="3542700"/>
+            <a:off x="858838" y="1555749"/>
+            <a:ext cx="6211692" cy="3489763"/>
           </a:xfrm>
         </p:spPr>
         <p:txBody>
@@ -1745,58 +1775,80 @@
           </a:bodyPr>
           <a:lstStyle/>
           <a:p>
+            <a:pPr>
+              <a:lnSpc>
+                <a:spcPct val="100000"/>
+              </a:lnSpc>
+              <a:spcBef>
+                <a:spcPts val="1000"/>
+              </a:spcBef>
+            </a:pPr>
             <a:r>
               <a:rPr lang="de-DE" dirty="0"/>
-              <a:t>5 - 8 Teilnehmer, Dauer: ca. 30 - 50 min</a:t>
-            </a:r>
+              <a:t>5 - 8 Teilnehmer, Dauer: ca. 30 - 50 min.</a:t>
+            </a:r>
+          </a:p>
+          <a:p>
+            <a:pPr>
+              <a:lnSpc>
+                <a:spcPct val="100000"/>
+              </a:lnSpc>
+              <a:spcBef>
+                <a:spcPts val="1000"/>
+              </a:spcBef>
+            </a:pPr>
+            <a:r>
+              <a:rPr lang="de-DE" dirty="0"/>
+              <a:t>Notiere den Namen jedes Teammitgliedes auf jeweils ein großes Blatt Papier (Flipchart etc.) und hänge die Blätter an die Wand.. Bitte die Teammitglieder, sich zu jedem anderen Teammitglied Antworten auf die folgenden Fragen zu </a:t>
+            </a:r>
+            <a:r>
+              <a:rPr lang="de-DE" smtClean="0"/>
+              <a:t>überlegen:</a:t>
+            </a:r>
+            <a:endParaRPr lang="de-DE" dirty="0" smtClean="0"/>
+          </a:p>
+          <a:p>
+            <a:pPr lvl="1">
+              <a:lnSpc>
+                <a:spcPct val="100000"/>
+              </a:lnSpc>
+              <a:spcBef>
+                <a:spcPts val="1000"/>
+              </a:spcBef>
+              <a:buFont typeface="+mj-lt"/>
+              <a:buAutoNum type="alphaLcParenR"/>
+            </a:pPr>
             <a:r>
               <a:rPr lang="de-DE" dirty="0" smtClean="0"/>
-              <a:t>.</a:t>
-            </a:r>
-            <a:endParaRPr lang="de-DE" dirty="0"/>
-          </a:p>
-          <a:p>
+              <a:t>Welche </a:t>
+            </a:r>
             <a:r>
               <a:rPr lang="de-DE" dirty="0"/>
-              <a:t>Notiere den Namen jedes Teammitgliedes auf jeweils ein großes Blatt Papier (Flipchart etc.) und hänge die Blätter an die Wand</a:t>
-            </a:r>
-            <a:r>
-              <a:rPr lang="de-DE" dirty="0" smtClean="0"/>
-              <a:t>.. Bitte </a:t>
-            </a:r>
-            <a:r>
-              <a:rPr lang="de-DE" dirty="0"/>
-              <a:t>die Teammitglieder, sich zu jedem anderen Teammitglied Antworten auf die folgenden Fragen zu </a:t>
-            </a:r>
-            <a:r>
-              <a:rPr lang="de-DE" dirty="0" smtClean="0"/>
-              <a:t>überlegen:</a:t>
-            </a:r>
-            <a:br>
-              <a:rPr lang="de-DE" dirty="0" smtClean="0"/>
-            </a:br>
-            <a:r>
-              <a:rPr lang="de-DE" dirty="0" smtClean="0"/>
-              <a:t>a</a:t>
-            </a:r>
-            <a:r>
-              <a:rPr lang="de-DE" dirty="0"/>
-              <a:t>) Welche Fähigkeit ist eine große Stärke von Dir</a:t>
+              <a:t>Fähigkeit ist eine große Stärke von Dir</a:t>
             </a:r>
             <a:r>
               <a:rPr lang="de-DE" dirty="0" smtClean="0"/>
               <a:t>?</a:t>
             </a:r>
-            <a:br>
+          </a:p>
+          <a:p>
+            <a:pPr lvl="1">
+              <a:lnSpc>
+                <a:spcPct val="100000"/>
+              </a:lnSpc>
+              <a:spcBef>
+                <a:spcPts val="1000"/>
+              </a:spcBef>
+              <a:buFont typeface="+mj-lt"/>
+              <a:buAutoNum type="alphaLcParenR"/>
+            </a:pPr>
+            <a:r>
               <a:rPr lang="de-DE" dirty="0" smtClean="0"/>
-            </a:br>
-            <a:r>
-              <a:rPr lang="de-DE" dirty="0" smtClean="0"/>
-              <a:t>b</a:t>
+              <a:t>In </a:t>
             </a:r>
             <a:r>
               <a:rPr lang="de-DE" dirty="0"/>
-              <a:t>) In welchen konkreten Situationen habe ich genau diese Fähigkeit an Dir </a:t>
+              <a:t>welchen konkreten Situationen habe ich genau diese Fähigkeit an Dir </a:t>
             </a:r>
             <a:r>
               <a:rPr lang="de-DE" dirty="0" err="1"/>
@@ -1808,64 +1860,60 @@
             </a:r>
           </a:p>
           <a:p>
+            <a:pPr>
+              <a:lnSpc>
+                <a:spcPct val="100000"/>
+              </a:lnSpc>
+              <a:spcBef>
+                <a:spcPts val="1000"/>
+              </a:spcBef>
+            </a:pPr>
             <a:r>
               <a:rPr lang="de-DE" dirty="0"/>
-              <a:t>Die Teammitglieder dürfen sich beim Überlegen Notizen machen. Wenn sie eine Stärke gefunden haben, können sie aufstehen und diese auf das entsprechende Flipchart des Teammitglieds schreiben</a:t>
-            </a:r>
-            <a:r>
-              <a:rPr lang="de-DE" dirty="0" smtClean="0"/>
-              <a:t>.</a:t>
-            </a:r>
-          </a:p>
-          <a:p>
-            <a:r>
-              <a:rPr lang="de-DE" dirty="0" smtClean="0"/>
-              <a:t>Auswertungsrunde</a:t>
-            </a:r>
+              <a:t>Die Teammitglieder dürfen sich beim Überlegen Notizen machen. Wenn sie eine Stärke gefunden haben, können sie aufstehen und diese auf das entsprechende Flipchart des Teammitglieds schreiben.</a:t>
+            </a:r>
+          </a:p>
+          <a:p>
+            <a:pPr>
+              <a:lnSpc>
+                <a:spcPct val="100000"/>
+              </a:lnSpc>
+              <a:spcBef>
+                <a:spcPts val="1000"/>
+              </a:spcBef>
+            </a:pPr>
             <a:r>
               <a:rPr lang="de-DE" dirty="0"/>
-              <a:t>:  Das Flipchart jedes einzelnen Teammitglieds wird vorgelesen und die Autoren der jeweiligen Stärken erzählen kurz die konkrete Situation, in der sich ihrer Ansicht nach diese Stärke gezeigt </a:t>
-            </a:r>
-            <a:r>
-              <a:rPr lang="de-DE" dirty="0" smtClean="0"/>
-              <a:t>hat. Wichtig</a:t>
-            </a:r>
+              <a:t>Auswertungsrunde:  Das Flipchart jedes einzelnen Teammitglieds wird vorgelesen und die Autoren der jeweiligen Stärken erzählen kurz die konkrete Situation, in der sich ihrer Ansicht nach diese Stärke gezeigt hat. Wichtig: Es gibt in dieser Phase keine Diskussion und keine Kritik (auch keine Selbstkritik). Hier werden einfach die Wahrnehmungen und Perspektiven der anderen Teammitglieder zur Kenntnis genommen.</a:t>
+            </a:r>
+          </a:p>
+          <a:p>
+            <a:pPr>
+              <a:lnSpc>
+                <a:spcPct val="100000"/>
+              </a:lnSpc>
+              <a:spcBef>
+                <a:spcPts val="1000"/>
+              </a:spcBef>
+            </a:pPr>
             <a:r>
               <a:rPr lang="de-DE" dirty="0"/>
-              <a:t>: Es gibt in dieser Phase keine Diskussion und keine Kritik (auch keine Selbstkritik). Hier werden einfach die Wahrnehmungen und Perspektiven der anderen Teammitglieder zur Kenntnis genommen</a:t>
-            </a:r>
-            <a:r>
-              <a:rPr lang="de-DE" dirty="0" smtClean="0"/>
-              <a:t>.</a:t>
-            </a:r>
-          </a:p>
-          <a:p>
-            <a:r>
-              <a:rPr lang="de-DE" dirty="0" smtClean="0"/>
-              <a:t>Die </a:t>
-            </a:r>
+              <a:t>Die Teammitglieder dürfen ihre Plakate am Ende der Runde mitnehmen.</a:t>
+            </a:r>
+          </a:p>
+          <a:p>
+            <a:pPr>
+              <a:lnSpc>
+                <a:spcPct val="100000"/>
+              </a:lnSpc>
+              <a:spcBef>
+                <a:spcPts val="1000"/>
+              </a:spcBef>
+            </a:pPr>
             <a:r>
               <a:rPr lang="de-DE" dirty="0"/>
-              <a:t>Teammitglieder dürfen ihre Plakate am Ende der Runde mitnehmen</a:t>
-            </a:r>
-            <a:r>
-              <a:rPr lang="de-DE" dirty="0" smtClean="0"/>
-              <a:t>.</a:t>
-            </a:r>
-          </a:p>
-          <a:p>
-            <a:r>
-              <a:rPr lang="de-DE" dirty="0" smtClean="0"/>
-              <a:t>Mögliche </a:t>
-            </a:r>
-            <a:r>
-              <a:rPr lang="de-DE" dirty="0"/>
-              <a:t>Wahrnehmungsfragen, die sich die Teammitglieder für sich überlegen können: Wie geht ihr für Euch damit um? Was werden ihr mit dem Plakat machen? Wer hat den Mut, es aufzuhängen? </a:t>
-            </a:r>
-            <a:br>
-              <a:rPr lang="de-DE" dirty="0"/>
-            </a:br>
-            <a:endParaRPr lang="de-DE" dirty="0"/>
+              <a:t>Mögliche Wahrnehmungsfragen, die sich die Teammitglieder für sich überlegen können: Wie geht ihr für Euch damit um? Was werden ihr mit dem Plakat machen? Wer hat den Mut, es aufzuhängen? </a:t>
+            </a:r>
           </a:p>
         </p:txBody>
       </p:sp>
@@ -1883,7 +1931,7 @@
 </file>
 
 <file path=ppt/theme/theme1.xml><?xml version="1.0" encoding="utf-8"?>
-<a:theme xmlns:a="http://schemas.openxmlformats.org/drawingml/2006/main" name="am_Trainingskarte_Template">
+<a:theme xmlns:a="http://schemas.openxmlformats.org/drawingml/2006/main" name="ger_training_card_template">
   <a:themeElements>
     <a:clrScheme name="Office">
       <a:dk1>

--- a/agile moves/Perception (PER)/ger_PER_06_Staerkenspiegel_Retro.pptx
+++ b/agile moves/Perception (PER)/ger_PER_06_Staerkenspiegel_Retro.pptx
@@ -504,7 +504,7 @@
                 <a:latin typeface="Avenir Heavy"/>
                 <a:cs typeface="Avenir Heavy"/>
               </a:rPr>
-              <a:t>TR	AININGS</a:t>
+              <a:t>TRAININGS</a:t>
             </a:r>
             <a:r>
               <a:rPr lang="de-DE" sz="2400" dirty="0" smtClean="0">
@@ -810,418 +810,6 @@
       </p:grpSpPr>
       <p:sp>
         <p:nvSpPr>
-          <p:cNvPr id="2" name="Titelplatzhalter 1"/>
-          <p:cNvSpPr>
-            <a:spLocks noGrp="1"/>
-          </p:cNvSpPr>
-          <p:nvPr>
-            <p:ph type="title"/>
-          </p:nvPr>
-        </p:nvSpPr>
-        <p:spPr>
-          <a:xfrm>
-            <a:off x="1173163" y="607122"/>
-            <a:ext cx="4358863" cy="830997"/>
-          </a:xfrm>
-          <a:prstGeom prst="rect">
-            <a:avLst/>
-          </a:prstGeom>
-          <a:noFill/>
-        </p:spPr>
-        <p:txBody>
-          <a:bodyPr wrap="square" rtlCol="0">
-            <a:spAutoFit/>
-          </a:bodyPr>
-          <a:lstStyle/>
-          <a:p>
-            <a:pPr marL="0" lvl="0" algn="l"/>
-            <a:r>
-              <a:rPr lang="de-DE" dirty="0" smtClean="0"/>
-              <a:t>Überschrift </a:t>
-            </a:r>
-            <a:br>
-              <a:rPr lang="de-DE" dirty="0" smtClean="0"/>
-            </a:br>
-            <a:r>
-              <a:rPr lang="de-DE" dirty="0" smtClean="0"/>
-              <a:t>bearbeiten </a:t>
-            </a:r>
-            <a:endParaRPr lang="de-DE" dirty="0"/>
-          </a:p>
-        </p:txBody>
-      </p:sp>
-      <p:sp>
-        <p:nvSpPr>
-          <p:cNvPr id="3" name="Textplatzhalter 2"/>
-          <p:cNvSpPr>
-            <a:spLocks noGrp="1"/>
-          </p:cNvSpPr>
-          <p:nvPr>
-            <p:ph type="body" idx="1"/>
-          </p:nvPr>
-        </p:nvSpPr>
-        <p:spPr>
-          <a:xfrm>
-            <a:off x="858838" y="1568452"/>
-            <a:ext cx="6011545" cy="3133835"/>
-          </a:xfrm>
-          <a:prstGeom prst="rect">
-            <a:avLst/>
-          </a:prstGeom>
-          <a:noFill/>
-        </p:spPr>
-        <p:txBody>
-          <a:bodyPr vert="horz" lIns="80678" tIns="40339" rIns="80678" bIns="40339" rtlCol="0">
-            <a:normAutofit/>
-          </a:bodyPr>
-          <a:lstStyle/>
-          <a:p>
-            <a:pPr lvl="0"/>
-            <a:r>
-              <a:rPr lang="de-DE" dirty="0" smtClean="0"/>
-              <a:t>Mastertextformat bearbeiten</a:t>
-            </a:r>
-          </a:p>
-          <a:p>
-            <a:pPr lvl="1"/>
-            <a:r>
-              <a:rPr lang="de-DE" dirty="0" smtClean="0"/>
-              <a:t>Zweite Ebene</a:t>
-            </a:r>
-          </a:p>
-          <a:p>
-            <a:pPr lvl="2"/>
-            <a:r>
-              <a:rPr lang="de-DE" dirty="0" smtClean="0"/>
-              <a:t>Dritte Ebene</a:t>
-            </a:r>
-          </a:p>
-          <a:p>
-            <a:pPr lvl="3"/>
-            <a:r>
-              <a:rPr lang="de-DE" dirty="0" smtClean="0"/>
-              <a:t>Vierte Ebene</a:t>
-            </a:r>
-          </a:p>
-          <a:p>
-            <a:pPr lvl="4"/>
-            <a:r>
-              <a:rPr lang="de-DE" dirty="0" smtClean="0"/>
-              <a:t>Fünfte Ebene</a:t>
-            </a:r>
-            <a:endParaRPr lang="de-DE" dirty="0"/>
-          </a:p>
-        </p:txBody>
-      </p:sp>
-      <p:sp>
-        <p:nvSpPr>
-          <p:cNvPr id="4" name="Datumsplatzhalter 3"/>
-          <p:cNvSpPr>
-            <a:spLocks noGrp="1"/>
-          </p:cNvSpPr>
-          <p:nvPr>
-            <p:ph type="dt" sz="half" idx="2"/>
-          </p:nvPr>
-        </p:nvSpPr>
-        <p:spPr>
-          <a:xfrm>
-            <a:off x="378144" y="4940886"/>
-            <a:ext cx="1764665" cy="283817"/>
-          </a:xfrm>
-          <a:prstGeom prst="rect">
-            <a:avLst/>
-          </a:prstGeom>
-        </p:spPr>
-        <p:txBody>
-          <a:bodyPr vert="horz" lIns="80678" tIns="40339" rIns="80678" bIns="40339" rtlCol="0" anchor="ctr"/>
-          <a:lstStyle>
-            <a:lvl1pPr algn="l">
-              <a:defRPr sz="1100">
-                <a:solidFill>
-                  <a:schemeClr val="tx1">
-                    <a:tint val="75000"/>
-                  </a:schemeClr>
-                </a:solidFill>
-              </a:defRPr>
-            </a:lvl1pPr>
-          </a:lstStyle>
-          <a:p>
-            <a:fld id="{FF5B2BAF-DF38-0A48-A798-0C06E514FD52}" type="datetimeFigureOut">
-              <a:rPr lang="de-DE" smtClean="0"/>
-              <a:t>29.05.15</a:t>
-            </a:fld>
-            <a:endParaRPr lang="de-DE" dirty="0"/>
-          </a:p>
-        </p:txBody>
-      </p:sp>
-      <p:sp>
-        <p:nvSpPr>
-          <p:cNvPr id="5" name="Fußzeilenplatzhalter 4"/>
-          <p:cNvSpPr>
-            <a:spLocks noGrp="1"/>
-          </p:cNvSpPr>
-          <p:nvPr>
-            <p:ph type="ftr" sz="quarter" idx="3"/>
-          </p:nvPr>
-        </p:nvSpPr>
-        <p:spPr>
-          <a:xfrm>
-            <a:off x="2583974" y="4940886"/>
-            <a:ext cx="2394903" cy="283817"/>
-          </a:xfrm>
-          <a:prstGeom prst="rect">
-            <a:avLst/>
-          </a:prstGeom>
-        </p:spPr>
-        <p:txBody>
-          <a:bodyPr vert="horz" lIns="80678" tIns="40339" rIns="80678" bIns="40339" rtlCol="0" anchor="ctr"/>
-          <a:lstStyle>
-            <a:lvl1pPr algn="ctr">
-              <a:defRPr sz="1100">
-                <a:solidFill>
-                  <a:schemeClr val="tx1">
-                    <a:tint val="75000"/>
-                  </a:schemeClr>
-                </a:solidFill>
-              </a:defRPr>
-            </a:lvl1pPr>
-          </a:lstStyle>
-          <a:p>
-            <a:endParaRPr lang="de-DE"/>
-          </a:p>
-        </p:txBody>
-      </p:sp>
-      <p:sp>
-        <p:nvSpPr>
-          <p:cNvPr id="6" name="Foliennummernplatzhalter 5"/>
-          <p:cNvSpPr>
-            <a:spLocks noGrp="1"/>
-          </p:cNvSpPr>
-          <p:nvPr>
-            <p:ph type="sldNum" sz="quarter" idx="4"/>
-          </p:nvPr>
-        </p:nvSpPr>
-        <p:spPr>
-          <a:xfrm>
-            <a:off x="5420044" y="4940886"/>
-            <a:ext cx="1764665" cy="283817"/>
-          </a:xfrm>
-          <a:prstGeom prst="rect">
-            <a:avLst/>
-          </a:prstGeom>
-        </p:spPr>
-        <p:txBody>
-          <a:bodyPr vert="horz" lIns="80678" tIns="40339" rIns="80678" bIns="40339" rtlCol="0" anchor="ctr"/>
-          <a:lstStyle>
-            <a:lvl1pPr algn="r">
-              <a:defRPr sz="1100">
-                <a:solidFill>
-                  <a:schemeClr val="tx1">
-                    <a:tint val="75000"/>
-                  </a:schemeClr>
-                </a:solidFill>
-              </a:defRPr>
-            </a:lvl1pPr>
-          </a:lstStyle>
-          <a:p>
-            <a:fld id="{3A3AAF8E-01AD-0B40-85E5-1DEBD88C874F}" type="slidenum">
-              <a:rPr lang="de-DE" smtClean="0"/>
-              <a:t>‹Nr.›</a:t>
-            </a:fld>
-            <a:endParaRPr lang="de-DE"/>
-          </a:p>
-        </p:txBody>
-      </p:sp>
-      <p:sp>
-        <p:nvSpPr>
-          <p:cNvPr id="8" name="Rechteck 7"/>
-          <p:cNvSpPr/>
-          <p:nvPr/>
-        </p:nvSpPr>
-        <p:spPr>
-          <a:xfrm>
-            <a:off x="0" y="0"/>
-            <a:ext cx="7562850" cy="61450"/>
-          </a:xfrm>
-          <a:prstGeom prst="rect">
-            <a:avLst/>
-          </a:prstGeom>
-          <a:solidFill>
-            <a:srgbClr val="9CD5E7"/>
-          </a:solidFill>
-          <a:ln>
-            <a:solidFill>
-              <a:srgbClr val="9CD5E7"/>
-            </a:solidFill>
-          </a:ln>
-          <a:effectLst/>
-        </p:spPr>
-        <p:style>
-          <a:lnRef idx="1">
-            <a:schemeClr val="accent1"/>
-          </a:lnRef>
-          <a:fillRef idx="3">
-            <a:schemeClr val="accent1"/>
-          </a:fillRef>
-          <a:effectRef idx="2">
-            <a:schemeClr val="accent1"/>
-          </a:effectRef>
-          <a:fontRef idx="minor">
-            <a:schemeClr val="lt1"/>
-          </a:fontRef>
-        </p:style>
-        <p:txBody>
-          <a:bodyPr rtlCol="0" anchor="ctr"/>
-          <a:lstStyle/>
-          <a:p>
-            <a:pPr algn="ctr"/>
-            <a:endParaRPr lang="de-DE"/>
-          </a:p>
-        </p:txBody>
-      </p:sp>
-      <p:sp>
-        <p:nvSpPr>
-          <p:cNvPr id="9" name="Ecken des Rechtecks auf der gleichen Seite abrunden 8"/>
-          <p:cNvSpPr/>
-          <p:nvPr/>
-        </p:nvSpPr>
-        <p:spPr>
-          <a:xfrm flipV="1">
-            <a:off x="5189271" y="-6830"/>
-            <a:ext cx="1905008" cy="430153"/>
-          </a:xfrm>
-          <a:prstGeom prst="round2SameRect">
-            <a:avLst>
-              <a:gd name="adj1" fmla="val 11111"/>
-              <a:gd name="adj2" fmla="val 0"/>
-            </a:avLst>
-          </a:prstGeom>
-          <a:solidFill>
-            <a:srgbClr val="1191D1"/>
-          </a:solidFill>
-          <a:ln>
-            <a:solidFill>
-              <a:srgbClr val="1191D1"/>
-            </a:solidFill>
-          </a:ln>
-          <a:effectLst/>
-        </p:spPr>
-        <p:style>
-          <a:lnRef idx="1">
-            <a:schemeClr val="accent1"/>
-          </a:lnRef>
-          <a:fillRef idx="3">
-            <a:schemeClr val="accent1"/>
-          </a:fillRef>
-          <a:effectRef idx="2">
-            <a:schemeClr val="accent1"/>
-          </a:effectRef>
-          <a:fontRef idx="minor">
-            <a:schemeClr val="lt1"/>
-          </a:fontRef>
-        </p:style>
-        <p:txBody>
-          <a:bodyPr rtlCol="0" anchor="ctr"/>
-          <a:lstStyle/>
-          <a:p>
-            <a:pPr algn="ctr"/>
-            <a:endParaRPr lang="de-DE" dirty="0"/>
-          </a:p>
-        </p:txBody>
-      </p:sp>
-      <p:sp>
-        <p:nvSpPr>
-          <p:cNvPr id="10" name="Textfeld 9"/>
-          <p:cNvSpPr txBox="1"/>
-          <p:nvPr/>
-        </p:nvSpPr>
-        <p:spPr>
-          <a:xfrm>
-            <a:off x="5250723" y="82390"/>
-            <a:ext cx="1905008" cy="253916"/>
-          </a:xfrm>
-          <a:prstGeom prst="rect">
-            <a:avLst/>
-          </a:prstGeom>
-          <a:noFill/>
-        </p:spPr>
-        <p:txBody>
-          <a:bodyPr wrap="square" rtlCol="0">
-            <a:spAutoFit/>
-          </a:bodyPr>
-          <a:lstStyle/>
-          <a:p>
-            <a:r>
-              <a:rPr lang="de-DE" sz="1050" b="1" dirty="0" smtClean="0">
-                <a:solidFill>
-                  <a:schemeClr val="bg1"/>
-                </a:solidFill>
-                <a:latin typeface="Avenir Book"/>
-                <a:cs typeface="Avenir Book"/>
-              </a:rPr>
-              <a:t>TRAININGSKARTE</a:t>
-            </a:r>
-            <a:r>
-              <a:rPr lang="de-DE" sz="1050" dirty="0" smtClean="0">
-                <a:solidFill>
-                  <a:schemeClr val="bg1"/>
-                </a:solidFill>
-                <a:latin typeface="Avenir Book"/>
-                <a:cs typeface="Avenir Book"/>
-              </a:rPr>
-              <a:t> </a:t>
-            </a:r>
-            <a:r>
-              <a:rPr lang="de-DE" sz="1050" b="1" dirty="0" smtClean="0">
-                <a:solidFill>
-                  <a:schemeClr val="bg1"/>
-                </a:solidFill>
-                <a:latin typeface="Avenir Heavy"/>
-                <a:cs typeface="Avenir Heavy"/>
-              </a:rPr>
-              <a:t>PER-06</a:t>
-            </a:r>
-            <a:endParaRPr lang="de-DE" sz="1050" b="1" dirty="0">
-              <a:solidFill>
-                <a:schemeClr val="bg1"/>
-              </a:solidFill>
-              <a:latin typeface="Avenir Heavy"/>
-              <a:cs typeface="Avenir Heavy"/>
-            </a:endParaRPr>
-          </a:p>
-        </p:txBody>
-      </p:sp>
-      <p:pic>
-        <p:nvPicPr>
-          <p:cNvPr id="11" name="Bild 10" descr="Agile-Moves_neu.png"/>
-          <p:cNvPicPr>
-            <a:picLocks noChangeAspect="1"/>
-          </p:cNvPicPr>
-          <p:nvPr/>
-        </p:nvPicPr>
-        <p:blipFill rotWithShape="1">
-          <a:blip r:embed="rId6">
-            <a:extLst>
-              <a:ext uri="{28A0092B-C50C-407E-A947-70E740481C1C}">
-                <a14:useLocalDpi xmlns:a14="http://schemas.microsoft.com/office/drawing/2010/main" val="0"/>
-              </a:ext>
-            </a:extLst>
-          </a:blip>
-          <a:srcRect l="41251" t="11643" r="41617" b="41498"/>
-          <a:stretch/>
-        </p:blipFill>
-        <p:spPr>
-          <a:xfrm>
-            <a:off x="218218" y="589976"/>
-            <a:ext cx="886754" cy="808932"/>
-          </a:xfrm>
-          <a:prstGeom prst="rect">
-            <a:avLst/>
-          </a:prstGeom>
-        </p:spPr>
-      </p:pic>
-      <p:sp>
-        <p:nvSpPr>
           <p:cNvPr id="12" name="Rechteck 11"/>
           <p:cNvSpPr/>
           <p:nvPr/>
@@ -1267,6 +855,438 @@
           </a:p>
         </p:txBody>
       </p:sp>
+      <p:sp>
+        <p:nvSpPr>
+          <p:cNvPr id="2" name="Titelplatzhalter 1"/>
+          <p:cNvSpPr>
+            <a:spLocks noGrp="1"/>
+          </p:cNvSpPr>
+          <p:nvPr>
+            <p:ph type="title"/>
+          </p:nvPr>
+        </p:nvSpPr>
+        <p:spPr>
+          <a:xfrm>
+            <a:off x="1173163" y="607122"/>
+            <a:ext cx="4358863" cy="830997"/>
+          </a:xfrm>
+          <a:prstGeom prst="rect">
+            <a:avLst/>
+          </a:prstGeom>
+          <a:noFill/>
+        </p:spPr>
+        <p:txBody>
+          <a:bodyPr wrap="square" rtlCol="0">
+            <a:spAutoFit/>
+          </a:bodyPr>
+          <a:lstStyle/>
+          <a:p>
+            <a:pPr marL="0" lvl="0" algn="l"/>
+            <a:r>
+              <a:rPr lang="de-DE" dirty="0" smtClean="0"/>
+              <a:t>Überschrift </a:t>
+            </a:r>
+            <a:br>
+              <a:rPr lang="de-DE" dirty="0" smtClean="0"/>
+            </a:br>
+            <a:r>
+              <a:rPr lang="de-DE" dirty="0" smtClean="0"/>
+              <a:t>bearbeiten </a:t>
+            </a:r>
+            <a:endParaRPr lang="de-DE" dirty="0"/>
+          </a:p>
+        </p:txBody>
+      </p:sp>
+      <p:sp>
+        <p:nvSpPr>
+          <p:cNvPr id="3" name="Textplatzhalter 2"/>
+          <p:cNvSpPr>
+            <a:spLocks noGrp="1"/>
+          </p:cNvSpPr>
+          <p:nvPr>
+            <p:ph type="body" idx="1"/>
+          </p:nvPr>
+        </p:nvSpPr>
+        <p:spPr>
+          <a:xfrm>
+            <a:off x="858838" y="1568452"/>
+            <a:ext cx="6011545" cy="3133835"/>
+          </a:xfrm>
+          <a:prstGeom prst="rect">
+            <a:avLst/>
+          </a:prstGeom>
+          <a:noFill/>
+        </p:spPr>
+        <p:txBody>
+          <a:bodyPr vert="horz" lIns="80678" tIns="40339" rIns="80678" bIns="40339" rtlCol="0">
+            <a:normAutofit/>
+          </a:bodyPr>
+          <a:lstStyle/>
+          <a:p>
+            <a:pPr lvl="0"/>
+            <a:r>
+              <a:rPr lang="de-DE" dirty="0" smtClean="0"/>
+              <a:t>Mastertextformat bearbeiten</a:t>
+            </a:r>
+          </a:p>
+          <a:p>
+            <a:pPr lvl="1"/>
+            <a:r>
+              <a:rPr lang="de-DE" dirty="0" smtClean="0"/>
+              <a:t>Zweite Ebene</a:t>
+            </a:r>
+          </a:p>
+          <a:p>
+            <a:pPr lvl="2"/>
+            <a:r>
+              <a:rPr lang="de-DE" dirty="0" smtClean="0"/>
+              <a:t>Dritte Ebene</a:t>
+            </a:r>
+          </a:p>
+          <a:p>
+            <a:pPr lvl="3"/>
+            <a:r>
+              <a:rPr lang="de-DE" dirty="0" smtClean="0"/>
+              <a:t>Vierte Ebene</a:t>
+            </a:r>
+          </a:p>
+          <a:p>
+            <a:pPr lvl="4"/>
+            <a:r>
+              <a:rPr lang="de-DE" dirty="0" smtClean="0"/>
+              <a:t>Fünfte Ebene</a:t>
+            </a:r>
+            <a:endParaRPr lang="de-DE" dirty="0"/>
+          </a:p>
+        </p:txBody>
+      </p:sp>
+      <p:sp>
+        <p:nvSpPr>
+          <p:cNvPr id="4" name="Datumsplatzhalter 3"/>
+          <p:cNvSpPr>
+            <a:spLocks noGrp="1"/>
+          </p:cNvSpPr>
+          <p:nvPr>
+            <p:ph type="dt" sz="half" idx="2"/>
+          </p:nvPr>
+        </p:nvSpPr>
+        <p:spPr>
+          <a:xfrm>
+            <a:off x="378144" y="4940886"/>
+            <a:ext cx="1764665" cy="283817"/>
+          </a:xfrm>
+          <a:prstGeom prst="rect">
+            <a:avLst/>
+          </a:prstGeom>
+        </p:spPr>
+        <p:txBody>
+          <a:bodyPr vert="horz" lIns="80678" tIns="40339" rIns="80678" bIns="40339" rtlCol="0" anchor="ctr"/>
+          <a:lstStyle>
+            <a:lvl1pPr algn="l">
+              <a:defRPr sz="1100">
+                <a:solidFill>
+                  <a:schemeClr val="tx1">
+                    <a:tint val="75000"/>
+                  </a:schemeClr>
+                </a:solidFill>
+              </a:defRPr>
+            </a:lvl1pPr>
+          </a:lstStyle>
+          <a:p>
+            <a:fld id="{FF5B2BAF-DF38-0A48-A798-0C06E514FD52}" type="datetimeFigureOut">
+              <a:rPr lang="de-DE" smtClean="0"/>
+              <a:t>29.05.15</a:t>
+            </a:fld>
+            <a:endParaRPr lang="de-DE" dirty="0"/>
+          </a:p>
+        </p:txBody>
+      </p:sp>
+      <p:sp>
+        <p:nvSpPr>
+          <p:cNvPr id="5" name="Fußzeilenplatzhalter 4"/>
+          <p:cNvSpPr>
+            <a:spLocks noGrp="1"/>
+          </p:cNvSpPr>
+          <p:nvPr>
+            <p:ph type="ftr" sz="quarter" idx="3"/>
+          </p:nvPr>
+        </p:nvSpPr>
+        <p:spPr>
+          <a:xfrm>
+            <a:off x="2583974" y="4940886"/>
+            <a:ext cx="2394903" cy="283817"/>
+          </a:xfrm>
+          <a:prstGeom prst="rect">
+            <a:avLst/>
+          </a:prstGeom>
+        </p:spPr>
+        <p:txBody>
+          <a:bodyPr vert="horz" lIns="80678" tIns="40339" rIns="80678" bIns="40339" rtlCol="0" anchor="ctr"/>
+          <a:lstStyle>
+            <a:lvl1pPr algn="ctr">
+              <a:defRPr sz="1100">
+                <a:solidFill>
+                  <a:schemeClr val="tx1">
+                    <a:tint val="75000"/>
+                  </a:schemeClr>
+                </a:solidFill>
+              </a:defRPr>
+            </a:lvl1pPr>
+          </a:lstStyle>
+          <a:p>
+            <a:endParaRPr lang="de-DE"/>
+          </a:p>
+        </p:txBody>
+      </p:sp>
+      <p:sp>
+        <p:nvSpPr>
+          <p:cNvPr id="6" name="Foliennummernplatzhalter 5"/>
+          <p:cNvSpPr>
+            <a:spLocks noGrp="1"/>
+          </p:cNvSpPr>
+          <p:nvPr>
+            <p:ph type="sldNum" sz="quarter" idx="4"/>
+          </p:nvPr>
+        </p:nvSpPr>
+        <p:spPr>
+          <a:xfrm>
+            <a:off x="5420044" y="4940886"/>
+            <a:ext cx="1764665" cy="283817"/>
+          </a:xfrm>
+          <a:prstGeom prst="rect">
+            <a:avLst/>
+          </a:prstGeom>
+        </p:spPr>
+        <p:txBody>
+          <a:bodyPr vert="horz" lIns="80678" tIns="40339" rIns="80678" bIns="40339" rtlCol="0" anchor="ctr"/>
+          <a:lstStyle>
+            <a:lvl1pPr algn="r">
+              <a:defRPr sz="1100">
+                <a:solidFill>
+                  <a:schemeClr val="tx1">
+                    <a:tint val="75000"/>
+                  </a:schemeClr>
+                </a:solidFill>
+              </a:defRPr>
+            </a:lvl1pPr>
+          </a:lstStyle>
+          <a:p>
+            <a:fld id="{3A3AAF8E-01AD-0B40-85E5-1DEBD88C874F}" type="slidenum">
+              <a:rPr lang="de-DE" smtClean="0"/>
+              <a:t>‹Nr.›</a:t>
+            </a:fld>
+            <a:endParaRPr lang="de-DE"/>
+          </a:p>
+        </p:txBody>
+      </p:sp>
+      <p:sp>
+        <p:nvSpPr>
+          <p:cNvPr id="8" name="Rechteck 7"/>
+          <p:cNvSpPr/>
+          <p:nvPr/>
+        </p:nvSpPr>
+        <p:spPr>
+          <a:xfrm>
+            <a:off x="0" y="0"/>
+            <a:ext cx="7562850" cy="61450"/>
+          </a:xfrm>
+          <a:prstGeom prst="rect">
+            <a:avLst/>
+          </a:prstGeom>
+          <a:solidFill>
+            <a:srgbClr val="9CD5E7"/>
+          </a:solidFill>
+          <a:ln>
+            <a:solidFill>
+              <a:srgbClr val="9CD5E7"/>
+            </a:solidFill>
+          </a:ln>
+          <a:effectLst/>
+        </p:spPr>
+        <p:style>
+          <a:lnRef idx="1">
+            <a:schemeClr val="accent1"/>
+          </a:lnRef>
+          <a:fillRef idx="3">
+            <a:schemeClr val="accent1"/>
+          </a:fillRef>
+          <a:effectRef idx="2">
+            <a:schemeClr val="accent1"/>
+          </a:effectRef>
+          <a:fontRef idx="minor">
+            <a:schemeClr val="lt1"/>
+          </a:fontRef>
+        </p:style>
+        <p:txBody>
+          <a:bodyPr rtlCol="0" anchor="ctr"/>
+          <a:lstStyle/>
+          <a:p>
+            <a:pPr algn="ctr"/>
+            <a:endParaRPr lang="de-DE"/>
+          </a:p>
+        </p:txBody>
+      </p:sp>
+      <p:sp>
+        <p:nvSpPr>
+          <p:cNvPr id="9" name="Ecken des Rechtecks auf der gleichen Seite abrunden 8"/>
+          <p:cNvSpPr/>
+          <p:nvPr/>
+        </p:nvSpPr>
+        <p:spPr>
+          <a:xfrm flipV="1">
+            <a:off x="5189271" y="-6830"/>
+            <a:ext cx="1905008" cy="430153"/>
+          </a:xfrm>
+          <a:prstGeom prst="round2SameRect">
+            <a:avLst>
+              <a:gd name="adj1" fmla="val 11111"/>
+              <a:gd name="adj2" fmla="val 0"/>
+            </a:avLst>
+          </a:prstGeom>
+          <a:solidFill>
+            <a:srgbClr val="1191D1"/>
+          </a:solidFill>
+          <a:ln>
+            <a:solidFill>
+              <a:srgbClr val="1191D1"/>
+            </a:solidFill>
+          </a:ln>
+          <a:effectLst/>
+        </p:spPr>
+        <p:style>
+          <a:lnRef idx="1">
+            <a:schemeClr val="accent1"/>
+          </a:lnRef>
+          <a:fillRef idx="3">
+            <a:schemeClr val="accent1"/>
+          </a:fillRef>
+          <a:effectRef idx="2">
+            <a:schemeClr val="accent1"/>
+          </a:effectRef>
+          <a:fontRef idx="minor">
+            <a:schemeClr val="lt1"/>
+          </a:fontRef>
+        </p:style>
+        <p:txBody>
+          <a:bodyPr rtlCol="0" anchor="ctr"/>
+          <a:lstStyle/>
+          <a:p>
+            <a:pPr algn="ctr"/>
+            <a:endParaRPr lang="de-DE" dirty="0"/>
+          </a:p>
+        </p:txBody>
+      </p:sp>
+      <p:sp>
+        <p:nvSpPr>
+          <p:cNvPr id="10" name="Textfeld 9"/>
+          <p:cNvSpPr txBox="1"/>
+          <p:nvPr/>
+        </p:nvSpPr>
+        <p:spPr>
+          <a:xfrm>
+            <a:off x="5250723" y="82390"/>
+            <a:ext cx="1905008" cy="253916"/>
+          </a:xfrm>
+          <a:prstGeom prst="rect">
+            <a:avLst/>
+          </a:prstGeom>
+          <a:noFill/>
+        </p:spPr>
+        <p:txBody>
+          <a:bodyPr wrap="square" rtlCol="0">
+            <a:spAutoFit/>
+          </a:bodyPr>
+          <a:lstStyle/>
+          <a:p>
+            <a:r>
+              <a:rPr lang="de-DE" sz="1050" b="1" dirty="0" smtClean="0">
+                <a:solidFill>
+                  <a:schemeClr val="bg1"/>
+                </a:solidFill>
+                <a:latin typeface="Avenir Book"/>
+                <a:cs typeface="Avenir Book"/>
+              </a:rPr>
+              <a:t>TRAININGSKARTE</a:t>
+            </a:r>
+            <a:r>
+              <a:rPr lang="de-DE" sz="1050" dirty="0" smtClean="0">
+                <a:solidFill>
+                  <a:schemeClr val="bg1"/>
+                </a:solidFill>
+                <a:latin typeface="Avenir Book"/>
+                <a:cs typeface="Avenir Book"/>
+              </a:rPr>
+              <a:t> </a:t>
+            </a:r>
+            <a:r>
+              <a:rPr lang="de-DE" sz="1050" b="1" dirty="0" smtClean="0">
+                <a:solidFill>
+                  <a:schemeClr val="bg1"/>
+                </a:solidFill>
+                <a:latin typeface="Avenir Heavy"/>
+                <a:cs typeface="Avenir Heavy"/>
+              </a:rPr>
+              <a:t>PER</a:t>
+            </a:r>
+            <a:r>
+              <a:rPr lang="de-DE" sz="1050" b="1" baseline="0" dirty="0" smtClean="0">
+                <a:solidFill>
+                  <a:schemeClr val="bg1"/>
+                </a:solidFill>
+                <a:latin typeface="Avenir Heavy"/>
+                <a:cs typeface="Avenir Heavy"/>
+              </a:rPr>
+              <a:t> </a:t>
+            </a:r>
+            <a:r>
+              <a:rPr lang="de-DE" sz="1050" b="1" dirty="0" smtClean="0">
+                <a:solidFill>
+                  <a:schemeClr val="bg1"/>
+                </a:solidFill>
+                <a:latin typeface="Avenir Heavy"/>
+                <a:cs typeface="Avenir Heavy"/>
+              </a:rPr>
+              <a:t>06</a:t>
+            </a:r>
+            <a:endParaRPr lang="de-DE" sz="1050" b="1" dirty="0">
+              <a:solidFill>
+                <a:schemeClr val="bg1"/>
+              </a:solidFill>
+              <a:latin typeface="Avenir Heavy"/>
+              <a:cs typeface="Avenir Heavy"/>
+            </a:endParaRPr>
+          </a:p>
+        </p:txBody>
+      </p:sp>
+      <p:pic>
+        <p:nvPicPr>
+          <p:cNvPr id="11" name="Bild 10" descr="Agile-Moves_neu.png"/>
+          <p:cNvPicPr>
+            <a:picLocks noChangeAspect="1"/>
+          </p:cNvPicPr>
+          <p:nvPr/>
+        </p:nvPicPr>
+        <p:blipFill rotWithShape="1">
+          <a:blip r:embed="rId6">
+            <a:extLst>
+              <a:ext uri="{28A0092B-C50C-407E-A947-70E740481C1C}">
+                <a14:useLocalDpi xmlns:a14="http://schemas.microsoft.com/office/drawing/2010/main" val="0"/>
+              </a:ext>
+            </a:extLst>
+          </a:blip>
+          <a:srcRect l="41251" t="11643" r="41617" b="41498"/>
+          <a:stretch/>
+        </p:blipFill>
+        <p:spPr>
+          <a:xfrm>
+            <a:off x="218218" y="589976"/>
+            <a:ext cx="886754" cy="808932"/>
+          </a:xfrm>
+          <a:prstGeom prst="rect">
+            <a:avLst/>
+          </a:prstGeom>
+        </p:spPr>
+      </p:pic>
     </p:spTree>
     <p:extLst>
       <p:ext uri="{BB962C8B-B14F-4D97-AF65-F5344CB8AC3E}">

--- a/agile moves/Perception (PER)/ger_PER_06_Staerkenspiegel_Retro.pptx
+++ b/agile moves/Perception (PER)/ger_PER_06_Staerkenspiegel_Retro.pptx
@@ -1822,10 +1822,9 @@
               <a:t>Notiere den Namen jedes Teammitgliedes auf jeweils ein großes Blatt Papier (Flipchart etc.) und hänge die Blätter an die Wand.. Bitte die Teammitglieder, sich zu jedem anderen Teammitglied Antworten auf die folgenden Fragen zu </a:t>
             </a:r>
             <a:r>
-              <a:rPr lang="de-DE" smtClean="0"/>
+              <a:rPr lang="de-DE" dirty="0" smtClean="0"/>
               <a:t>überlegen:</a:t>
             </a:r>
-            <a:endParaRPr lang="de-DE" dirty="0" smtClean="0"/>
           </a:p>
           <a:p>
             <a:pPr lvl="1">
@@ -1904,7 +1903,37 @@
             </a:pPr>
             <a:r>
               <a:rPr lang="de-DE" dirty="0"/>
-              <a:t>Auswertungsrunde:  Das Flipchart jedes einzelnen Teammitglieds wird vorgelesen und die Autoren der jeweiligen Stärken erzählen kurz die konkrete Situation, in der sich ihrer Ansicht nach diese Stärke gezeigt hat. Wichtig: Es gibt in dieser Phase keine Diskussion und keine Kritik (auch keine Selbstkritik). Hier werden einfach die Wahrnehmungen und Perspektiven der anderen Teammitglieder zur Kenntnis genommen.</a:t>
+              <a:t>Auswertungsrunde:  Das Flipchart jedes einzelnen Teammitglieds wird vorgelesen und die Autoren der jeweiligen Stärken erzählen kurz die konkrete Situation, in der sich ihrer Ansicht nach diese Stärke gezeigt hat. Wichtig: Es gibt in dieser Phase keine Diskussion und keine </a:t>
+            </a:r>
+            <a:r>
+              <a:rPr lang="de-DE" dirty="0" smtClean="0"/>
+              <a:t>Kritik</a:t>
+            </a:r>
+            <a:br>
+              <a:rPr lang="de-DE" dirty="0" smtClean="0"/>
+            </a:br>
+            <a:r>
+              <a:rPr lang="de-DE" dirty="0" smtClean="0"/>
+              <a:t> </a:t>
+            </a:r>
+            <a:r>
+              <a:rPr lang="de-DE" dirty="0"/>
+              <a:t>(auch keine Selbstkritik). Hier werden einfach die Wahrnehmungen und </a:t>
+            </a:r>
+            <a:r>
+              <a:rPr lang="de-DE" dirty="0" smtClean="0"/>
+              <a:t/>
+            </a:r>
+            <a:br>
+              <a:rPr lang="de-DE" dirty="0" smtClean="0"/>
+            </a:br>
+            <a:r>
+              <a:rPr lang="de-DE" dirty="0" smtClean="0"/>
+              <a:t>Perspektiven </a:t>
+            </a:r>
+            <a:r>
+              <a:rPr lang="de-DE" dirty="0"/>
+              <a:t>der anderen Teammitglieder zur Kenntnis genommen.</a:t>
             </a:r>
           </a:p>
           <a:p>
@@ -1932,11 +1961,71 @@
             </a:pPr>
             <a:r>
               <a:rPr lang="de-DE" dirty="0"/>
-              <a:t>Mögliche Wahrnehmungsfragen, die sich die Teammitglieder für sich überlegen können: Wie geht ihr für Euch damit um? Was werden ihr mit dem Plakat machen? Wer hat den Mut, es aufzuhängen? </a:t>
+              <a:t>Mögliche Wahrnehmungsfragen, die sich die Teammitglieder für sich überlegen </a:t>
+            </a:r>
+            <a:r>
+              <a:rPr lang="de-DE" dirty="0" smtClean="0"/>
+              <a:t/>
+            </a:r>
+            <a:br>
+              <a:rPr lang="de-DE" dirty="0" smtClean="0"/>
+            </a:br>
+            <a:r>
+              <a:rPr lang="de-DE" dirty="0" smtClean="0"/>
+              <a:t>können</a:t>
+            </a:r>
+            <a:r>
+              <a:rPr lang="de-DE" dirty="0"/>
+              <a:t>: Wie geht ihr für Euch damit um? Was werden ihr mit dem Plakat machen</a:t>
+            </a:r>
+            <a:r>
+              <a:rPr lang="de-DE" dirty="0" smtClean="0"/>
+              <a:t>?</a:t>
+            </a:r>
+            <a:br>
+              <a:rPr lang="de-DE" dirty="0" smtClean="0"/>
+            </a:br>
+            <a:r>
+              <a:rPr lang="de-DE" dirty="0" smtClean="0"/>
+              <a:t> </a:t>
+            </a:r>
+            <a:r>
+              <a:rPr lang="de-DE" dirty="0"/>
+              <a:t>Wer hat den Mut, es aufzuhängen? </a:t>
             </a:r>
           </a:p>
         </p:txBody>
       </p:sp>
+      <p:pic>
+        <p:nvPicPr>
+          <p:cNvPr id="3" name="Bild 2" descr="apprentice.pdf"/>
+          <p:cNvPicPr>
+            <a:picLocks noChangeAspect="1"/>
+          </p:cNvPicPr>
+          <p:nvPr/>
+        </p:nvPicPr>
+        <p:blipFill>
+          <a:blip r:embed="rId2">
+            <a:extLst>
+              <a:ext uri="{28A0092B-C50C-407E-A947-70E740481C1C}">
+                <a14:useLocalDpi xmlns:a14="http://schemas.microsoft.com/office/drawing/2010/main" val="0"/>
+              </a:ext>
+            </a:extLst>
+          </a:blip>
+          <a:stretch>
+            <a:fillRect/>
+          </a:stretch>
+        </p:blipFill>
+        <p:spPr>
+          <a:xfrm>
+            <a:off x="6040005" y="3954560"/>
+            <a:ext cx="939800" cy="914400"/>
+          </a:xfrm>
+          <a:prstGeom prst="rect">
+            <a:avLst/>
+          </a:prstGeom>
+        </p:spPr>
+      </p:pic>
     </p:spTree>
     <p:extLst>
       <p:ext uri="{BB962C8B-B14F-4D97-AF65-F5344CB8AC3E}">

--- a/agile moves/Perception (PER)/ger_PER_06_Staerkenspiegel_Retro.pptx
+++ b/agile moves/Perception (PER)/ger_PER_06_Staerkenspiegel_Retro.pptx
@@ -725,7 +725,7 @@
           <a:p>
             <a:fld id="{FF5B2BAF-DF38-0A48-A798-0C06E514FD52}" type="datetimeFigureOut">
               <a:rPr lang="de-DE" smtClean="0"/>
-              <a:t>29.05.15</a:t>
+              <a:t>30.05.15</a:t>
             </a:fld>
             <a:endParaRPr lang="de-DE" dirty="0"/>
           </a:p>
@@ -995,7 +995,7 @@
           <a:p>
             <a:fld id="{FF5B2BAF-DF38-0A48-A798-0C06E514FD52}" type="datetimeFigureOut">
               <a:rPr lang="de-DE" smtClean="0"/>
-              <a:t>29.05.15</a:t>
+              <a:t>30.05.15</a:t>
             </a:fld>
             <a:endParaRPr lang="de-DE" dirty="0"/>
           </a:p>
